--- a/slides/Unit6_CS1010 IO Library.pptx
+++ b/slides/Unit6_CS1010 IO Library.pptx
@@ -182,8 +182,7 @@
 <file path=ppt/revisionInfo.xml><?xml version="1.0" encoding="utf-8"?>
 <p1510:revInfo xmlns:a="http://schemas.openxmlformats.org/drawingml/2006/main" xmlns:r="http://schemas.openxmlformats.org/officeDocument/2006/relationships" xmlns:p1510="http://schemas.microsoft.com/office/powerpoint/2015/10/main">
   <p1510:revLst>
-    <p1510:client id="{45E63BE2-51B8-47E6-B9E0-B7F07A248B6B}" v="2" dt="2024-01-29T09:51:00.599"/>
-    <p1510:client id="{D64F979E-87BF-466A-98FE-DEBB10CD44CB}" v="120" dt="2024-01-30T01:29:13.070"/>
+    <p1510:client id="{D64F979E-87BF-466A-98FE-DEBB10CD44CB}" v="121" dt="2024-01-31T05:27:51.308"/>
   </p1510:revLst>
 </p1510:revInfo>
 </file>
@@ -2332,7 +2331,7 @@
               <a:pPr>
                 <a:defRPr/>
               </a:pPr>
-              <a:t>1/30/2024</a:t>
+              <a:t>1/31/2024</a:t>
             </a:fld>
             <a:endParaRPr lang="en-US" dirty="0"/>
           </a:p>
@@ -6607,7 +6606,7 @@
   <p:transition>
     <p:fade/>
   </p:transition>
-  <p:hf hdr="0" ftr="0" dt="0"/>
+  <p:hf hdr="0" dt="0"/>
   <p:txStyles>
     <p:titleStyle>
       <a:lvl1pPr algn="l" defTabSz="914400" rtl="0" eaLnBrk="1" latinLnBrk="0" hangingPunct="1">
@@ -7333,6 +7332,38 @@
           </a:p>
         </p:txBody>
       </p:sp>
+      <p:sp>
+        <p:nvSpPr>
+          <p:cNvPr id="2" name="Footer Placeholder 1">
+            <a:extLst>
+              <a:ext uri="{FF2B5EF4-FFF2-40B4-BE49-F238E27FC236}">
+                <a16:creationId xmlns:a16="http://schemas.microsoft.com/office/drawing/2014/main" id="{F7FEB7DC-1358-741F-B27D-04C202BE67C8}"/>
+              </a:ext>
+            </a:extLst>
+          </p:cNvPr>
+          <p:cNvSpPr>
+            <a:spLocks noGrp="1"/>
+          </p:cNvSpPr>
+          <p:nvPr>
+            <p:ph type="ftr" sz="quarter" idx="11"/>
+          </p:nvPr>
+        </p:nvSpPr>
+        <p:spPr/>
+        <p:txBody>
+          <a:bodyPr/>
+          <a:lstStyle/>
+          <a:p>
+            <a:pPr algn="l">
+              <a:defRPr/>
+            </a:pPr>
+            <a:r>
+              <a:rPr lang="en-US"/>
+              <a:t>CS1010 (AY2023/24 Semester 2)</a:t>
+            </a:r>
+            <a:endParaRPr lang="en-US" dirty="0"/>
+          </a:p>
+        </p:txBody>
+      </p:sp>
     </p:spTree>
     <p:extLst>
       <p:ext uri="{BB962C8B-B14F-4D97-AF65-F5344CB8AC3E}">
@@ -8216,6 +8247,38 @@
           </a:p>
         </p:txBody>
       </p:sp>
+      <p:sp>
+        <p:nvSpPr>
+          <p:cNvPr id="2" name="Footer Placeholder 1">
+            <a:extLst>
+              <a:ext uri="{FF2B5EF4-FFF2-40B4-BE49-F238E27FC236}">
+                <a16:creationId xmlns:a16="http://schemas.microsoft.com/office/drawing/2014/main" id="{6CF5253C-30D4-FCF6-932C-4908D4B6A4B6}"/>
+              </a:ext>
+            </a:extLst>
+          </p:cNvPr>
+          <p:cNvSpPr>
+            <a:spLocks noGrp="1"/>
+          </p:cNvSpPr>
+          <p:nvPr>
+            <p:ph type="ftr" sz="quarter" idx="11"/>
+          </p:nvPr>
+        </p:nvSpPr>
+        <p:spPr/>
+        <p:txBody>
+          <a:bodyPr/>
+          <a:lstStyle/>
+          <a:p>
+            <a:pPr algn="l">
+              <a:defRPr/>
+            </a:pPr>
+            <a:r>
+              <a:rPr lang="en-US"/>
+              <a:t>CS1010 (AY2023/24 Semester 2)</a:t>
+            </a:r>
+            <a:endParaRPr lang="en-US" dirty="0"/>
+          </a:p>
+        </p:txBody>
+      </p:sp>
     </p:spTree>
     <p:extLst>
       <p:ext uri="{BB962C8B-B14F-4D97-AF65-F5344CB8AC3E}">
@@ -8701,6 +8764,38 @@
           </a:p>
         </p:txBody>
       </p:sp>
+      <p:sp>
+        <p:nvSpPr>
+          <p:cNvPr id="2" name="Footer Placeholder 1">
+            <a:extLst>
+              <a:ext uri="{FF2B5EF4-FFF2-40B4-BE49-F238E27FC236}">
+                <a16:creationId xmlns:a16="http://schemas.microsoft.com/office/drawing/2014/main" id="{C77B2D8F-23FE-7221-D6D4-31D58AFFC2F3}"/>
+              </a:ext>
+            </a:extLst>
+          </p:cNvPr>
+          <p:cNvSpPr>
+            <a:spLocks noGrp="1"/>
+          </p:cNvSpPr>
+          <p:nvPr>
+            <p:ph type="ftr" sz="quarter" idx="11"/>
+          </p:nvPr>
+        </p:nvSpPr>
+        <p:spPr/>
+        <p:txBody>
+          <a:bodyPr/>
+          <a:lstStyle/>
+          <a:p>
+            <a:pPr algn="l">
+              <a:defRPr/>
+            </a:pPr>
+            <a:r>
+              <a:rPr lang="en-US"/>
+              <a:t>CS1010 (AY2023/24 Semester 2)</a:t>
+            </a:r>
+            <a:endParaRPr lang="en-US" dirty="0"/>
+          </a:p>
+        </p:txBody>
+      </p:sp>
     </p:spTree>
     <p:extLst>
       <p:ext uri="{BB962C8B-B14F-4D97-AF65-F5344CB8AC3E}">
@@ -9131,6 +9226,38 @@
           </a:p>
         </p:txBody>
       </p:sp>
+      <p:sp>
+        <p:nvSpPr>
+          <p:cNvPr id="2" name="Footer Placeholder 1">
+            <a:extLst>
+              <a:ext uri="{FF2B5EF4-FFF2-40B4-BE49-F238E27FC236}">
+                <a16:creationId xmlns:a16="http://schemas.microsoft.com/office/drawing/2014/main" id="{809B47EC-D7ED-66E0-EB2F-D7D03914E892}"/>
+              </a:ext>
+            </a:extLst>
+          </p:cNvPr>
+          <p:cNvSpPr>
+            <a:spLocks noGrp="1"/>
+          </p:cNvSpPr>
+          <p:nvPr>
+            <p:ph type="ftr" sz="quarter" idx="11"/>
+          </p:nvPr>
+        </p:nvSpPr>
+        <p:spPr/>
+        <p:txBody>
+          <a:bodyPr/>
+          <a:lstStyle/>
+          <a:p>
+            <a:pPr algn="l">
+              <a:defRPr/>
+            </a:pPr>
+            <a:r>
+              <a:rPr lang="en-US"/>
+              <a:t>CS1010 (AY2023/24 Semester 2)</a:t>
+            </a:r>
+            <a:endParaRPr lang="en-US" dirty="0"/>
+          </a:p>
+        </p:txBody>
+      </p:sp>
     </p:spTree>
     <p:extLst>
       <p:ext uri="{BB962C8B-B14F-4D97-AF65-F5344CB8AC3E}">
@@ -9875,6 +10002,38 @@
           </a:p>
         </p:txBody>
       </p:sp>
+      <p:sp>
+        <p:nvSpPr>
+          <p:cNvPr id="2" name="Footer Placeholder 1">
+            <a:extLst>
+              <a:ext uri="{FF2B5EF4-FFF2-40B4-BE49-F238E27FC236}">
+                <a16:creationId xmlns:a16="http://schemas.microsoft.com/office/drawing/2014/main" id="{7BEDAC79-3597-B79B-17D4-E68E21077F71}"/>
+              </a:ext>
+            </a:extLst>
+          </p:cNvPr>
+          <p:cNvSpPr>
+            <a:spLocks noGrp="1"/>
+          </p:cNvSpPr>
+          <p:nvPr>
+            <p:ph type="ftr" sz="quarter" idx="11"/>
+          </p:nvPr>
+        </p:nvSpPr>
+        <p:spPr/>
+        <p:txBody>
+          <a:bodyPr/>
+          <a:lstStyle/>
+          <a:p>
+            <a:pPr algn="l">
+              <a:defRPr/>
+            </a:pPr>
+            <a:r>
+              <a:rPr lang="en-US"/>
+              <a:t>CS1010 (AY2023/24 Semester 2)</a:t>
+            </a:r>
+            <a:endParaRPr lang="en-US" dirty="0"/>
+          </a:p>
+        </p:txBody>
+      </p:sp>
     </p:spTree>
     <p:extLst>
       <p:ext uri="{BB962C8B-B14F-4D97-AF65-F5344CB8AC3E}">
@@ -10155,6 +10314,38 @@
               </a:pPr>
               <a:t>7</a:t>
             </a:fld>
+            <a:endParaRPr lang="en-US" dirty="0"/>
+          </a:p>
+        </p:txBody>
+      </p:sp>
+      <p:sp>
+        <p:nvSpPr>
+          <p:cNvPr id="2" name="Footer Placeholder 1">
+            <a:extLst>
+              <a:ext uri="{FF2B5EF4-FFF2-40B4-BE49-F238E27FC236}">
+                <a16:creationId xmlns:a16="http://schemas.microsoft.com/office/drawing/2014/main" id="{1454614D-9FDD-DBEC-3AE9-9F27088F3655}"/>
+              </a:ext>
+            </a:extLst>
+          </p:cNvPr>
+          <p:cNvSpPr>
+            <a:spLocks noGrp="1"/>
+          </p:cNvSpPr>
+          <p:nvPr>
+            <p:ph type="ftr" sz="quarter" idx="11"/>
+          </p:nvPr>
+        </p:nvSpPr>
+        <p:spPr/>
+        <p:txBody>
+          <a:bodyPr/>
+          <a:lstStyle/>
+          <a:p>
+            <a:pPr algn="l">
+              <a:defRPr/>
+            </a:pPr>
+            <a:r>
+              <a:rPr lang="en-US"/>
+              <a:t>CS1010 (AY2023/24 Semester 2)</a:t>
+            </a:r>
             <a:endParaRPr lang="en-US" dirty="0"/>
           </a:p>
         </p:txBody>
